--- a/Translated/章节4.pptx
+++ b/Translated/章节4.pptx
@@ -115,6 +115,11 @@
       </a:defRPr>
     </a:lvl9pPr>
   </p:defaultTextStyle>
+  <p:extLst>
+    <p:ext uri="{EFAFB233-063F-42B5-8137-9DF3F51BA10A}">
+      <p15:sldGuideLst xmlns:p15="http://schemas.microsoft.com/office/powerpoint/2012/main"/>
+    </p:ext>
+  </p:extLst>
 </p:presentation>
 </file>
 
@@ -3529,7 +3534,7 @@
                 </a:solidFill>
                 <a:latin typeface="Trebuchet MS"/>
               </a:rPr>
-              <a:t>APIs）</a:t>
+              <a:t>API）</a:t>
             </a:r>
           </a:p>
         </p:txBody>
